--- a/PartAPre.pptx
+++ b/PartAPre.pptx
@@ -2846,13 +2846,19 @@
             <p:ph type="body" sz="quarter" idx="1"/>
           </p:nvPr>
         </p:nvSpPr>
-        <p:spPr/>
+        <p:spPr>
+          <a:xfrm>
+            <a:off x="4572000" y="3501008"/>
+            <a:ext cx="3448472" cy="1752601"/>
+          </a:xfrm>
+        </p:spPr>
         <p:txBody>
           <a:bodyPr>
             <a:normAutofit fontScale="55000" lnSpcReduction="20000"/>
           </a:bodyPr>
           <a:lstStyle/>
           <a:p>
+            <a:pPr algn="l"/>
             <a:r>
               <a:rPr lang="en-US" altLang="zh-CN" sz="3600" dirty="0">
                 <a:solidFill>
@@ -2891,6 +2897,7 @@
             </a:endParaRPr>
           </a:p>
           <a:p>
+            <a:pPr algn="l"/>
             <a:r>
               <a:rPr lang="en-US" altLang="zh-CN" sz="3600" dirty="0">
                 <a:solidFill>
@@ -2929,6 +2936,7 @@
             </a:endParaRPr>
           </a:p>
           <a:p>
+            <a:pPr algn="l"/>
             <a:r>
               <a:rPr lang="en-US" altLang="zh-CN" sz="3600" dirty="0">
                 <a:solidFill>
@@ -2967,6 +2975,7 @@
             </a:endParaRPr>
           </a:p>
           <a:p>
+            <a:pPr algn="l"/>
             <a:r>
               <a:rPr lang="en-US" altLang="zh-CN" sz="3600" dirty="0">
                 <a:solidFill>
@@ -3005,6 +3014,7 @@
             </a:endParaRPr>
           </a:p>
           <a:p>
+            <a:pPr algn="l"/>
             <a:r>
               <a:rPr lang="en-US" altLang="zh-CN" sz="3600" dirty="0">
                 <a:solidFill>
@@ -3132,6 +3142,10 @@
             <a:pPr marL="0" indent="0">
               <a:buNone/>
             </a:pPr>
+            <a:r>
+              <a:rPr lang="en-US" altLang="zh-CN" sz="4000" dirty="0"/>
+              <a:t>· </a:t>
+            </a:r>
             <a:r>
               <a:rPr lang="en-US" altLang="zh-CN" dirty="0"/>
               <a:t>We use </a:t>
@@ -5019,13 +5033,13 @@
         </p:nvSpPr>
         <p:spPr>
           <a:xfrm>
-            <a:off x="452927" y="1196977"/>
-            <a:ext cx="8492290" cy="5184776"/>
+            <a:off x="109375" y="1196977"/>
+            <a:ext cx="8925249" cy="5184776"/>
           </a:xfrm>
         </p:spPr>
         <p:txBody>
           <a:bodyPr>
-            <a:normAutofit fontScale="92500" lnSpcReduction="20000"/>
+            <a:normAutofit/>
           </a:bodyPr>
           <a:lstStyle/>
           <a:p>
@@ -5034,63 +5048,49 @@
             </a:pPr>
             <a:r>
               <a:rPr lang="en-US" altLang="zh-CN" dirty="0"/>
-              <a:t>Many things will lead to the crash of the whole </a:t>
-            </a:r>
-            <a:r>
-              <a:rPr lang="en-US" altLang="zh-CN" dirty="0" err="1"/>
-              <a:t>programme</a:t>
+              <a:t>· Unfamiliarity with software,</a:t>
+            </a:r>
+            <a:r>
+              <a:rPr lang="zh-CN" altLang="en-US" dirty="0"/>
+              <a:t> </a:t>
             </a:r>
             <a:r>
               <a:rPr lang="en-US" altLang="zh-CN" dirty="0"/>
-              <a:t>, just like the </a:t>
-            </a:r>
-            <a:r>
-              <a:rPr lang="en-US" altLang="zh-CN" dirty="0" err="1"/>
-              <a:t>unmatchble</a:t>
+              <a:t>such</a:t>
+            </a:r>
+            <a:r>
+              <a:rPr lang="zh-CN" altLang="en-US" dirty="0"/>
+              <a:t> </a:t>
             </a:r>
             <a:r>
               <a:rPr lang="en-US" altLang="zh-CN" dirty="0"/>
-              <a:t> modes and motions due to unfamiliar of the unity and the potential dangerous of database dropping. Unfamiliarity of APIs will lead to unreadable code and chaos. The lack of amount of </a:t>
-            </a:r>
-            <a:r>
-              <a:rPr lang="en-US" altLang="zh-CN" dirty="0" err="1"/>
-              <a:t>pokemon</a:t>
+              <a:t>as</a:t>
+            </a:r>
+            <a:r>
+              <a:rPr lang="zh-CN" altLang="en-US" dirty="0"/>
+              <a:t> </a:t>
             </a:r>
             <a:r>
               <a:rPr lang="en-US" altLang="zh-CN" dirty="0"/>
-              <a:t> will bring about incomplete combat system and world outlook which gives pity to whole project. Overly bloated code structure will lead to slow respond of computer which gives a high ping to combat process gives player very bad game experience. High concurrency will also be considered seriously because there may be several </a:t>
-            </a:r>
-            <a:r>
-              <a:rPr lang="en-US" altLang="zh-CN" dirty="0" err="1"/>
-              <a:t>playser</a:t>
-            </a:r>
+              <a:t>Rider, Unity, and so on.</a:t>
+            </a:r>
+          </a:p>
+          <a:p>
+            <a:pPr marL="0" indent="0">
+              <a:buNone/>
+            </a:pPr>
             <a:r>
               <a:rPr lang="en-US" altLang="zh-CN" dirty="0"/>
-              <a:t> login and join in combat, we need to improve the robustness of the </a:t>
-            </a:r>
-            <a:r>
-              <a:rPr lang="en-US" altLang="zh-CN" dirty="0" err="1"/>
-              <a:t>programmes</a:t>
-            </a:r>
+              <a:t>· Unreasonable division of labor, resulting in the project can not be completed within the specified time.</a:t>
+            </a:r>
+          </a:p>
+          <a:p>
+            <a:pPr marL="0" indent="0">
+              <a:buNone/>
+            </a:pPr>
             <a:r>
               <a:rPr lang="en-US" altLang="zh-CN" dirty="0"/>
-              <a:t> in case huge amount of data crash the </a:t>
-            </a:r>
-            <a:r>
-              <a:rPr lang="en-US" altLang="zh-CN" dirty="0" err="1"/>
-              <a:t>programme</a:t>
-            </a:r>
-            <a:r>
-              <a:rPr lang="en-US" altLang="zh-CN" dirty="0"/>
-              <a:t>. In general, we need to get familiar with unity and other tools, and be proficient in using </a:t>
-            </a:r>
-            <a:r>
-              <a:rPr lang="en-US" altLang="zh-CN" dirty="0" err="1"/>
-              <a:t>api</a:t>
-            </a:r>
-            <a:r>
-              <a:rPr lang="en-US" altLang="zh-CN" dirty="0"/>
-              <a:t>, and accelerate our development process.</a:t>
+              <a:t>· The code is bloated and the game experience is poor.</a:t>
             </a:r>
             <a:endParaRPr lang="zh-CN" altLang="en-US" dirty="0"/>
           </a:p>
